--- a/Atlanta_Housing_Prices.pptx
+++ b/Atlanta_Housing_Prices.pptx
@@ -290,7 +290,7 @@
           <a:p>
             <a:fld id="{EA63D905-FAA2-4EEB-97BB-16E68655552F}" type="datetimeFigureOut">
               <a:rPr lang="en-US" smtClean="0"/>
-              <a:t>7/31/2019</a:t>
+              <a:t>8/7/2019</a:t>
             </a:fld>
             <a:endParaRPr lang="en-US"/>
           </a:p>
@@ -501,7 +501,7 @@
           <a:p>
             <a:fld id="{EA63D905-FAA2-4EEB-97BB-16E68655552F}" type="datetimeFigureOut">
               <a:rPr lang="en-US" smtClean="0"/>
-              <a:t>7/31/2019</a:t>
+              <a:t>8/7/2019</a:t>
             </a:fld>
             <a:endParaRPr lang="en-US"/>
           </a:p>
@@ -712,7 +712,7 @@
           <a:p>
             <a:fld id="{EA63D905-FAA2-4EEB-97BB-16E68655552F}" type="datetimeFigureOut">
               <a:rPr lang="en-US" smtClean="0"/>
-              <a:t>7/31/2019</a:t>
+              <a:t>8/7/2019</a:t>
             </a:fld>
             <a:endParaRPr lang="en-US"/>
           </a:p>
@@ -923,7 +923,7 @@
           <a:p>
             <a:fld id="{EA63D905-FAA2-4EEB-97BB-16E68655552F}" type="datetimeFigureOut">
               <a:rPr lang="en-US" smtClean="0"/>
-              <a:t>7/31/2019</a:t>
+              <a:t>8/7/2019</a:t>
             </a:fld>
             <a:endParaRPr lang="en-US"/>
           </a:p>
@@ -1201,7 +1201,7 @@
           <a:p>
             <a:fld id="{EA63D905-FAA2-4EEB-97BB-16E68655552F}" type="datetimeFigureOut">
               <a:rPr lang="en-US" smtClean="0"/>
-              <a:t>7/31/2019</a:t>
+              <a:t>8/7/2019</a:t>
             </a:fld>
             <a:endParaRPr lang="en-US"/>
           </a:p>
@@ -1479,7 +1479,7 @@
           <a:p>
             <a:fld id="{EA63D905-FAA2-4EEB-97BB-16E68655552F}" type="datetimeFigureOut">
               <a:rPr lang="en-US" smtClean="0"/>
-              <a:t>7/31/2019</a:t>
+              <a:t>8/7/2019</a:t>
             </a:fld>
             <a:endParaRPr lang="en-US"/>
           </a:p>
@@ -1904,7 +1904,7 @@
           <a:p>
             <a:fld id="{EA63D905-FAA2-4EEB-97BB-16E68655552F}" type="datetimeFigureOut">
               <a:rPr lang="en-US" smtClean="0"/>
-              <a:t>7/31/2019</a:t>
+              <a:t>8/7/2019</a:t>
             </a:fld>
             <a:endParaRPr lang="en-US"/>
           </a:p>
@@ -2058,7 +2058,7 @@
           <a:p>
             <a:fld id="{EA63D905-FAA2-4EEB-97BB-16E68655552F}" type="datetimeFigureOut">
               <a:rPr lang="en-US" smtClean="0"/>
-              <a:t>7/31/2019</a:t>
+              <a:t>8/7/2019</a:t>
             </a:fld>
             <a:endParaRPr lang="en-US"/>
           </a:p>
@@ -2174,7 +2174,7 @@
           <a:p>
             <a:fld id="{EA63D905-FAA2-4EEB-97BB-16E68655552F}" type="datetimeFigureOut">
               <a:rPr lang="en-US" smtClean="0"/>
-              <a:t>7/31/2019</a:t>
+              <a:t>8/7/2019</a:t>
             </a:fld>
             <a:endParaRPr lang="en-US"/>
           </a:p>
@@ -2488,7 +2488,7 @@
           <a:p>
             <a:fld id="{EA63D905-FAA2-4EEB-97BB-16E68655552F}" type="datetimeFigureOut">
               <a:rPr lang="en-US" smtClean="0"/>
-              <a:t>7/31/2019</a:t>
+              <a:t>8/7/2019</a:t>
             </a:fld>
             <a:endParaRPr lang="en-US"/>
           </a:p>
@@ -2779,7 +2779,7 @@
           <a:p>
             <a:fld id="{EA63D905-FAA2-4EEB-97BB-16E68655552F}" type="datetimeFigureOut">
               <a:rPr lang="en-US" smtClean="0"/>
-              <a:t>7/31/2019</a:t>
+              <a:t>8/7/2019</a:t>
             </a:fld>
             <a:endParaRPr lang="en-US"/>
           </a:p>
@@ -3032,7 +3032,7 @@
           <a:p>
             <a:fld id="{EA63D905-FAA2-4EEB-97BB-16E68655552F}" type="datetimeFigureOut">
               <a:rPr lang="en-US" smtClean="0"/>
-              <a:t>7/31/2019</a:t>
+              <a:t>8/7/2019</a:t>
             </a:fld>
             <a:endParaRPr lang="en-US"/>
           </a:p>
@@ -5507,10 +5507,10 @@
       </p:grpSpPr>
       <p:grpSp>
         <p:nvGrpSpPr>
-          <p:cNvPr id="18" name="Group 17">
+          <p:cNvPr id="19" name="Group 18">
             <a:extLst>
               <a:ext uri="{FF2B5EF4-FFF2-40B4-BE49-F238E27FC236}">
-                <a16:creationId xmlns:a16="http://schemas.microsoft.com/office/drawing/2014/main" id="{DB6AF7A1-9A03-4674-B156-B02F62E41AC8}"/>
+                <a16:creationId xmlns:a16="http://schemas.microsoft.com/office/drawing/2014/main" id="{05BC652C-CC91-48F6-8FBF-2C115159C4F5}"/>
               </a:ext>
             </a:extLst>
           </p:cNvPr>
@@ -5520,11 +5520,46 @@
         <p:grpSpPr>
           <a:xfrm>
             <a:off x="4449775" y="3567968"/>
-            <a:ext cx="7497589" cy="2982617"/>
+            <a:ext cx="7497589" cy="3015773"/>
             <a:chOff x="4449775" y="3567968"/>
-            <a:chExt cx="7497589" cy="2982617"/>
+            <a:chExt cx="7497589" cy="3015773"/>
           </a:xfrm>
         </p:grpSpPr>
+        <p:pic>
+          <p:nvPicPr>
+            <p:cNvPr id="16" name="Picture 15" descr="A screenshot of a cell phone&#10;&#10;Description automatically generated">
+              <a:extLst>
+                <a:ext uri="{FF2B5EF4-FFF2-40B4-BE49-F238E27FC236}">
+                  <a16:creationId xmlns:a16="http://schemas.microsoft.com/office/drawing/2014/main" id="{0ACCD1E8-4ED4-468F-B864-8DAC8D624EB4}"/>
+                </a:ext>
+              </a:extLst>
+            </p:cNvPr>
+            <p:cNvPicPr>
+              <a:picLocks noChangeAspect="1"/>
+            </p:cNvPicPr>
+            <p:nvPr/>
+          </p:nvPicPr>
+          <p:blipFill rotWithShape="1">
+            <a:blip r:embed="rId2">
+              <a:extLst>
+                <a:ext uri="{28A0092B-C50C-407E-A947-70E740481C1C}">
+                  <a14:useLocalDpi xmlns:a14="http://schemas.microsoft.com/office/drawing/2010/main" val="0"/>
+                </a:ext>
+              </a:extLst>
+            </a:blip>
+            <a:srcRect t="8284"/>
+            <a:stretch/>
+          </p:blipFill>
+          <p:spPr>
+            <a:xfrm>
+              <a:off x="4449775" y="3955002"/>
+              <a:ext cx="7497589" cy="2628739"/>
+            </a:xfrm>
+            <a:prstGeom prst="rect">
+              <a:avLst/>
+            </a:prstGeom>
+          </p:spPr>
+        </p:pic>
         <p:sp>
           <p:nvSpPr>
             <p:cNvPr id="33" name="TextBox 32">
@@ -5560,41 +5595,6 @@
             </a:p>
           </p:txBody>
         </p:sp>
-        <p:pic>
-          <p:nvPicPr>
-            <p:cNvPr id="17" name="Picture 16" descr="A screenshot of a cell phone&#10;&#10;Description automatically generated">
-              <a:extLst>
-                <a:ext uri="{FF2B5EF4-FFF2-40B4-BE49-F238E27FC236}">
-                  <a16:creationId xmlns:a16="http://schemas.microsoft.com/office/drawing/2014/main" id="{0F20DD46-3B2B-4840-9655-9E7285C00915}"/>
-                </a:ext>
-              </a:extLst>
-            </p:cNvPr>
-            <p:cNvPicPr>
-              <a:picLocks noChangeAspect="1"/>
-            </p:cNvPicPr>
-            <p:nvPr/>
-          </p:nvPicPr>
-          <p:blipFill rotWithShape="1">
-            <a:blip r:embed="rId2">
-              <a:extLst>
-                <a:ext uri="{28A0092B-C50C-407E-A947-70E740481C1C}">
-                  <a14:useLocalDpi xmlns:a14="http://schemas.microsoft.com/office/drawing/2010/main" val="0"/>
-                </a:ext>
-              </a:extLst>
-            </a:blip>
-            <a:srcRect t="9442"/>
-            <a:stretch/>
-          </p:blipFill>
-          <p:spPr>
-            <a:xfrm>
-              <a:off x="4449775" y="3955002"/>
-              <a:ext cx="7497589" cy="2595583"/>
-            </a:xfrm>
-            <a:prstGeom prst="rect">
-              <a:avLst/>
-            </a:prstGeom>
-          </p:spPr>
-        </p:pic>
       </p:grpSp>
       <p:sp>
         <p:nvSpPr>
@@ -6699,7 +6699,7 @@
                                           </p:stCondLst>
                                         </p:cTn>
                                         <p:tgtEl>
-                                          <p:spTgt spid="18"/>
+                                          <p:spTgt spid="19"/>
                                         </p:tgtEl>
                                         <p:attrNameLst>
                                           <p:attrName>style.visibility</p:attrName>
@@ -6713,7 +6713,7 @@
                                       <p:cBhvr>
                                         <p:cTn id="43" dur="1000"/>
                                         <p:tgtEl>
-                                          <p:spTgt spid="18"/>
+                                          <p:spTgt spid="19"/>
                                         </p:tgtEl>
                                       </p:cBhvr>
                                     </p:animEffect>
@@ -6721,7 +6721,7 @@
                                       <p:cBhvr>
                                         <p:cTn id="44" dur="1000" fill="hold"/>
                                         <p:tgtEl>
-                                          <p:spTgt spid="18"/>
+                                          <p:spTgt spid="19"/>
                                         </p:tgtEl>
                                         <p:attrNameLst>
                                           <p:attrName>ppt_x</p:attrName>
@@ -6744,7 +6744,7 @@
                                       <p:cBhvr>
                                         <p:cTn id="45" dur="1000" fill="hold"/>
                                         <p:tgtEl>
-                                          <p:spTgt spid="18"/>
+                                          <p:spTgt spid="19"/>
                                         </p:tgtEl>
                                         <p:attrNameLst>
                                           <p:attrName>ppt_y</p:attrName>
